--- a/documentacao/Apresentação.pptx
+++ b/documentacao/Apresentação.pptx
@@ -5,7 +5,7 @@
     <p:sldMasterId id="2147483648" r:id="rId1"/>
   </p:sldMasterIdLst>
   <p:notesMasterIdLst>
-    <p:notesMasterId r:id="rId25"/>
+    <p:notesMasterId r:id="rId26"/>
   </p:notesMasterIdLst>
   <p:sldIdLst>
     <p:sldId id="256" r:id="rId2"/>
@@ -31,6 +31,7 @@
     <p:sldId id="278" r:id="rId22"/>
     <p:sldId id="277" r:id="rId23"/>
     <p:sldId id="279" r:id="rId24"/>
+    <p:sldId id="281" r:id="rId25"/>
   </p:sldIdLst>
   <p:sldSz cx="9144000" cy="6858000" type="screen4x3"/>
   <p:notesSz cx="6858000" cy="9144000"/>
@@ -215,7 +216,7 @@
             <a:fld id="{20457406-8232-47D3-AE95-529EC5816618}" type="datetimeFigureOut">
               <a:rPr lang="pt-BR" smtClean="0"/>
               <a:pPr/>
-              <a:t>13/02/2013</a:t>
+              <a:t>14/02/2013</a:t>
             </a:fld>
             <a:endParaRPr lang="pt-BR"/>
           </a:p>
@@ -745,7 +746,7 @@
             <a:fld id="{3B267112-80CF-41AD-B6CF-3A4603EF750C}" type="datetime1">
               <a:rPr lang="pt-BR" smtClean="0"/>
               <a:pPr/>
-              <a:t>13/02/2013</a:t>
+              <a:t>14/02/2013</a:t>
             </a:fld>
             <a:endParaRPr lang="pt-BR"/>
           </a:p>
@@ -912,7 +913,7 @@
             <a:fld id="{8E7895DD-60A2-4939-9734-09A3DFD0F67E}" type="datetime1">
               <a:rPr lang="pt-BR" smtClean="0"/>
               <a:pPr/>
-              <a:t>13/02/2013</a:t>
+              <a:t>14/02/2013</a:t>
             </a:fld>
             <a:endParaRPr lang="pt-BR"/>
           </a:p>
@@ -1089,7 +1090,7 @@
             <a:fld id="{FECE34D8-282F-49EC-A24F-811E38C43200}" type="datetime1">
               <a:rPr lang="pt-BR" smtClean="0"/>
               <a:pPr/>
-              <a:t>13/02/2013</a:t>
+              <a:t>14/02/2013</a:t>
             </a:fld>
             <a:endParaRPr lang="pt-BR"/>
           </a:p>
@@ -1256,7 +1257,7 @@
             <a:fld id="{39E37569-7DA2-4E9A-A3E1-C00C7BE7DB17}" type="datetime1">
               <a:rPr lang="pt-BR" smtClean="0"/>
               <a:pPr/>
-              <a:t>13/02/2013</a:t>
+              <a:t>14/02/2013</a:t>
             </a:fld>
             <a:endParaRPr lang="pt-BR"/>
           </a:p>
@@ -1499,7 +1500,7 @@
             <a:fld id="{4C28D721-D848-4C86-A109-EA571B4A0FA6}" type="datetime1">
               <a:rPr lang="pt-BR" smtClean="0"/>
               <a:pPr/>
-              <a:t>13/02/2013</a:t>
+              <a:t>14/02/2013</a:t>
             </a:fld>
             <a:endParaRPr lang="pt-BR"/>
           </a:p>
@@ -1784,7 +1785,7 @@
             <a:fld id="{D53E69FC-C250-4509-8E77-53CFB19F99C0}" type="datetime1">
               <a:rPr lang="pt-BR" smtClean="0"/>
               <a:pPr/>
-              <a:t>13/02/2013</a:t>
+              <a:t>14/02/2013</a:t>
             </a:fld>
             <a:endParaRPr lang="pt-BR"/>
           </a:p>
@@ -2203,7 +2204,7 @@
             <a:fld id="{F2F528D6-6E1E-423D-9ED2-F84BCB7382D5}" type="datetime1">
               <a:rPr lang="pt-BR" smtClean="0"/>
               <a:pPr/>
-              <a:t>13/02/2013</a:t>
+              <a:t>14/02/2013</a:t>
             </a:fld>
             <a:endParaRPr lang="pt-BR"/>
           </a:p>
@@ -2318,7 +2319,7 @@
             <a:fld id="{BA2C755C-4DA5-45EB-89A2-F5981422684D}" type="datetime1">
               <a:rPr lang="pt-BR" smtClean="0"/>
               <a:pPr/>
-              <a:t>13/02/2013</a:t>
+              <a:t>14/02/2013</a:t>
             </a:fld>
             <a:endParaRPr lang="pt-BR"/>
           </a:p>
@@ -2410,7 +2411,7 @@
             <a:fld id="{8970C6BD-C368-4589-8342-D22A2F285CED}" type="datetime1">
               <a:rPr lang="pt-BR" smtClean="0"/>
               <a:pPr/>
-              <a:t>13/02/2013</a:t>
+              <a:t>14/02/2013</a:t>
             </a:fld>
             <a:endParaRPr lang="pt-BR"/>
           </a:p>
@@ -2684,7 +2685,7 @@
             <a:fld id="{C0F229AD-8FFE-4DCC-B788-F119E96686A6}" type="datetime1">
               <a:rPr lang="pt-BR" smtClean="0"/>
               <a:pPr/>
-              <a:t>13/02/2013</a:t>
+              <a:t>14/02/2013</a:t>
             </a:fld>
             <a:endParaRPr lang="pt-BR"/>
           </a:p>
@@ -2934,7 +2935,7 @@
             <a:fld id="{ADDE1E03-6E89-47D9-813D-43CA0F1D6B5B}" type="datetime1">
               <a:rPr lang="pt-BR" smtClean="0"/>
               <a:pPr/>
-              <a:t>13/02/2013</a:t>
+              <a:t>14/02/2013</a:t>
             </a:fld>
             <a:endParaRPr lang="pt-BR"/>
           </a:p>
@@ -3144,7 +3145,7 @@
             <a:fld id="{A1D5EB38-A272-46C7-A8BA-E82A1E851532}" type="datetime1">
               <a:rPr lang="pt-BR" smtClean="0"/>
               <a:pPr/>
-              <a:t>13/02/2013</a:t>
+              <a:t>14/02/2013</a:t>
             </a:fld>
             <a:endParaRPr lang="pt-BR"/>
           </a:p>
@@ -4032,10 +4033,13 @@
               </a:rPr>
               <a:t>Iterator</a:t>
             </a:r>
-            <a:endParaRPr lang="pt-BR" sz="2600" dirty="0" smtClean="0">
-              <a:latin typeface="Arial" pitchFamily="34" charset="0"/>
-              <a:cs typeface="Arial" pitchFamily="34" charset="0"/>
-            </a:endParaRPr>
+            <a:r>
+              <a:rPr lang="pt-BR" sz="2600" dirty="0" smtClean="0">
+                <a:latin typeface="Arial" pitchFamily="34" charset="0"/>
+                <a:cs typeface="Arial" pitchFamily="34" charset="0"/>
+              </a:rPr>
+              <a:t> </a:t>
+            </a:r>
           </a:p>
           <a:p>
             <a:pPr lvl="1"/>
@@ -8965,14 +8969,7 @@
                 <a:latin typeface="Arial" pitchFamily="34" charset="0"/>
                 <a:cs typeface="Arial" pitchFamily="34" charset="0"/>
               </a:rPr>
-              <a:t>implementação </a:t>
-            </a:r>
-            <a:r>
-              <a:rPr lang="pt-BR" sz="2400" smtClean="0">
-                <a:latin typeface="Arial" pitchFamily="34" charset="0"/>
-                <a:cs typeface="Arial" pitchFamily="34" charset="0"/>
-              </a:rPr>
-              <a:t>foram encontrados </a:t>
+              <a:t>implementação foram encontrados </a:t>
             </a:r>
             <a:r>
               <a:rPr lang="pt-BR" sz="2400" dirty="0" smtClean="0">
@@ -9127,6 +9124,97 @@
 </p:sld>
 </file>
 
+<file path=ppt/slides/slide24.xml><?xml version="1.0" encoding="utf-8"?>
+<p:sld xmlns:a="http://schemas.openxmlformats.org/drawingml/2006/main" xmlns:r="http://schemas.openxmlformats.org/officeDocument/2006/relationships" xmlns:p="http://schemas.openxmlformats.org/presentationml/2006/main">
+  <p:cSld>
+    <p:spTree>
+      <p:nvGrpSpPr>
+        <p:cNvPr id="1" name=""/>
+        <p:cNvGrpSpPr/>
+        <p:nvPr/>
+      </p:nvGrpSpPr>
+      <p:grpSpPr>
+        <a:xfrm>
+          <a:off x="0" y="0"/>
+          <a:ext cx="0" cy="0"/>
+          <a:chOff x="0" y="0"/>
+          <a:chExt cx="0" cy="0"/>
+        </a:xfrm>
+      </p:grpSpPr>
+      <p:sp>
+        <p:nvSpPr>
+          <p:cNvPr id="2" name="Título 1"/>
+          <p:cNvSpPr>
+            <a:spLocks noGrp="1"/>
+          </p:cNvSpPr>
+          <p:nvPr>
+            <p:ph type="title"/>
+          </p:nvPr>
+        </p:nvSpPr>
+        <p:spPr/>
+        <p:txBody>
+          <a:bodyPr/>
+          <a:lstStyle/>
+          <a:p>
+            <a:r>
+              <a:rPr lang="pt-BR" dirty="0" smtClean="0"/>
+              <a:t>Obrigado!</a:t>
+            </a:r>
+            <a:endParaRPr lang="pt-BR" dirty="0"/>
+          </a:p>
+        </p:txBody>
+      </p:sp>
+      <p:sp>
+        <p:nvSpPr>
+          <p:cNvPr id="3" name="Espaço Reservado para Conteúdo 2"/>
+          <p:cNvSpPr>
+            <a:spLocks noGrp="1"/>
+          </p:cNvSpPr>
+          <p:nvPr>
+            <p:ph idx="1"/>
+          </p:nvPr>
+        </p:nvSpPr>
+        <p:spPr/>
+        <p:txBody>
+          <a:bodyPr/>
+          <a:lstStyle/>
+          <a:p>
+            <a:endParaRPr lang="pt-BR"/>
+          </a:p>
+        </p:txBody>
+      </p:sp>
+      <p:sp>
+        <p:nvSpPr>
+          <p:cNvPr id="4" name="Espaço Reservado para Número de Slide 3"/>
+          <p:cNvSpPr>
+            <a:spLocks noGrp="1"/>
+          </p:cNvSpPr>
+          <p:nvPr>
+            <p:ph type="sldNum" sz="quarter" idx="12"/>
+          </p:nvPr>
+        </p:nvSpPr>
+        <p:spPr/>
+        <p:txBody>
+          <a:bodyPr/>
+          <a:lstStyle/>
+          <a:p>
+            <a:fld id="{54CA375A-ED5C-408B-BA7F-5966C6A0C634}" type="slidenum">
+              <a:rPr lang="pt-BR" smtClean="0"/>
+              <a:pPr/>
+              <a:t>24</a:t>
+            </a:fld>
+            <a:endParaRPr lang="pt-BR"/>
+          </a:p>
+        </p:txBody>
+      </p:sp>
+    </p:spTree>
+  </p:cSld>
+  <p:clrMapOvr>
+    <a:masterClrMapping/>
+  </p:clrMapOvr>
+</p:sld>
+</file>
+
 <file path=ppt/slides/slide3.xml><?xml version="1.0" encoding="utf-8"?>
 <p:sld xmlns:a="http://schemas.openxmlformats.org/drawingml/2006/main" xmlns:r="http://schemas.openxmlformats.org/officeDocument/2006/relationships" xmlns:p="http://schemas.openxmlformats.org/presentationml/2006/main">
   <p:cSld>
@@ -9321,6 +9409,50 @@
           <a:lstStyle/>
           <a:p>
             <a:r>
+              <a:rPr lang="pt-BR" sz="2400" dirty="0" err="1" smtClean="0">
+                <a:latin typeface="Arial" pitchFamily="34" charset="0"/>
+                <a:cs typeface="Arial" pitchFamily="34" charset="0"/>
+              </a:rPr>
+              <a:t>PDFLib</a:t>
+            </a:r>
+            <a:endParaRPr lang="pt-BR" sz="2400" dirty="0" smtClean="0">
+              <a:latin typeface="Arial" pitchFamily="34" charset="0"/>
+              <a:cs typeface="Arial" pitchFamily="34" charset="0"/>
+            </a:endParaRPr>
+          </a:p>
+          <a:p>
+            <a:pPr lvl="1"/>
+            <a:r>
+              <a:rPr lang="pt-BR" sz="2000" dirty="0" smtClean="0">
+                <a:latin typeface="Arial" pitchFamily="34" charset="0"/>
+                <a:cs typeface="Arial" pitchFamily="34" charset="0"/>
+              </a:rPr>
+              <a:t>Baixo nível</a:t>
+            </a:r>
+          </a:p>
+          <a:p>
+            <a:pPr lvl="1"/>
+            <a:r>
+              <a:rPr lang="pt-BR" sz="2000" dirty="0" smtClean="0">
+                <a:latin typeface="Arial" pitchFamily="34" charset="0"/>
+                <a:cs typeface="Arial" pitchFamily="34" charset="0"/>
+              </a:rPr>
+              <a:t>Não possui facilitadores</a:t>
+            </a:r>
+            <a:endParaRPr lang="pt-BR" sz="2000" dirty="0" smtClean="0">
+              <a:latin typeface="Arial" pitchFamily="34" charset="0"/>
+              <a:cs typeface="Arial" pitchFamily="34" charset="0"/>
+            </a:endParaRPr>
+          </a:p>
+          <a:p>
+            <a:pPr lvl="1"/>
+            <a:endParaRPr lang="pt-BR" sz="2000" dirty="0" smtClean="0">
+              <a:latin typeface="Arial" pitchFamily="34" charset="0"/>
+              <a:cs typeface="Arial" pitchFamily="34" charset="0"/>
+            </a:endParaRPr>
+          </a:p>
+          <a:p>
+            <a:r>
               <a:rPr lang="pt-BR" sz="2400" dirty="0" smtClean="0">
                 <a:latin typeface="Arial" pitchFamily="34" charset="0"/>
                 <a:cs typeface="Arial" pitchFamily="34" charset="0"/>
@@ -9329,14 +9461,35 @@
             </a:r>
           </a:p>
           <a:p>
-            <a:r>
-              <a:rPr lang="pt-BR" sz="2400" dirty="0" err="1" smtClean="0">
-                <a:latin typeface="Arial" pitchFamily="34" charset="0"/>
-                <a:cs typeface="Arial" pitchFamily="34" charset="0"/>
-              </a:rPr>
-              <a:t>PDFLib</a:t>
-            </a:r>
-            <a:endParaRPr lang="pt-BR" sz="2400" dirty="0" smtClean="0">
+            <a:pPr lvl="1"/>
+            <a:r>
+              <a:rPr lang="pt-BR" sz="2000" dirty="0" smtClean="0">
+                <a:latin typeface="Arial" pitchFamily="34" charset="0"/>
+                <a:cs typeface="Arial" pitchFamily="34" charset="0"/>
+              </a:rPr>
+              <a:t>Controle de margens, cabeçalho e rodapé</a:t>
+            </a:r>
+          </a:p>
+          <a:p>
+            <a:pPr lvl="1"/>
+            <a:r>
+              <a:rPr lang="pt-BR" sz="2000" dirty="0" smtClean="0">
+                <a:latin typeface="Arial" pitchFamily="34" charset="0"/>
+                <a:cs typeface="Arial" pitchFamily="34" charset="0"/>
+              </a:rPr>
+              <a:t>Quebra de página automática</a:t>
+            </a:r>
+          </a:p>
+          <a:p>
+            <a:pPr lvl="1"/>
+            <a:r>
+              <a:rPr lang="pt-BR" sz="2000" dirty="0" err="1" smtClean="0">
+                <a:latin typeface="Arial" pitchFamily="34" charset="0"/>
+                <a:cs typeface="Arial" pitchFamily="34" charset="0"/>
+              </a:rPr>
+              <a:t>Free</a:t>
+            </a:r>
+            <a:endParaRPr lang="pt-BR" sz="2000" dirty="0" smtClean="0">
               <a:latin typeface="Arial" pitchFamily="34" charset="0"/>
               <a:cs typeface="Arial" pitchFamily="34" charset="0"/>
             </a:endParaRPr>
